--- a/prototype/mysite_prototype.pptx
+++ b/prototype/mysite_prototype.pptx
@@ -5,12 +5,13 @@
     <p:sldMasterId id="2147483648" r:id="rId1"/>
   </p:sldMasterIdLst>
   <p:notesMasterIdLst>
-    <p:notesMasterId r:id="rId5"/>
+    <p:notesMasterId r:id="rId6"/>
   </p:notesMasterIdLst>
   <p:sldIdLst>
     <p:sldId id="256" r:id="rId2"/>
     <p:sldId id="258" r:id="rId3"/>
     <p:sldId id="257" r:id="rId4"/>
+    <p:sldId id="259" r:id="rId5"/>
   </p:sldIdLst>
   <p:sldSz cx="9144000" cy="6858000" type="screen4x3"/>
   <p:notesSz cx="6858000" cy="9144000"/>
@@ -194,6 +195,7 @@
           <a:p>
             <a:fld id="{2B08C04B-1E75-41FC-B20F-B884377A2621}" type="datetimeFigureOut">
               <a:rPr lang="ko-KR" altLang="en-US" smtClean="0"/>
+              <a:pPr/>
               <a:t>2015-05-11</a:t>
             </a:fld>
             <a:endParaRPr lang="ko-KR" altLang="en-US"/>
@@ -355,6 +357,7 @@
           <a:p>
             <a:fld id="{A7379ECD-AC1B-4F72-9862-3EEFF2B4DDF4}" type="slidenum">
               <a:rPr lang="ko-KR" altLang="en-US" smtClean="0"/>
+              <a:pPr/>
               <a:t>‹#›</a:t>
             </a:fld>
             <a:endParaRPr lang="ko-KR" altLang="en-US"/>
@@ -640,6 +643,7 @@
           <a:p>
             <a:fld id="{E81A8803-5B8E-419D-9ACF-CA5B6710BDA0}" type="datetimeFigureOut">
               <a:rPr lang="ko-KR" altLang="en-US" smtClean="0"/>
+              <a:pPr/>
               <a:t>2015-05-11</a:t>
             </a:fld>
             <a:endParaRPr lang="ko-KR" altLang="en-US"/>
@@ -682,6 +686,7 @@
           <a:p>
             <a:fld id="{13BC1C39-639F-46A8-A215-CD8A0FF09CE9}" type="slidenum">
               <a:rPr lang="ko-KR" altLang="en-US" smtClean="0"/>
+              <a:pPr/>
               <a:t>‹#›</a:t>
             </a:fld>
             <a:endParaRPr lang="ko-KR" altLang="en-US"/>
@@ -805,6 +810,7 @@
           <a:p>
             <a:fld id="{E81A8803-5B8E-419D-9ACF-CA5B6710BDA0}" type="datetimeFigureOut">
               <a:rPr lang="ko-KR" altLang="en-US" smtClean="0"/>
+              <a:pPr/>
               <a:t>2015-05-11</a:t>
             </a:fld>
             <a:endParaRPr lang="ko-KR" altLang="en-US"/>
@@ -847,6 +853,7 @@
           <a:p>
             <a:fld id="{13BC1C39-639F-46A8-A215-CD8A0FF09CE9}" type="slidenum">
               <a:rPr lang="ko-KR" altLang="en-US" smtClean="0"/>
+              <a:pPr/>
               <a:t>‹#›</a:t>
             </a:fld>
             <a:endParaRPr lang="ko-KR" altLang="en-US"/>
@@ -980,6 +987,7 @@
           <a:p>
             <a:fld id="{E81A8803-5B8E-419D-9ACF-CA5B6710BDA0}" type="datetimeFigureOut">
               <a:rPr lang="ko-KR" altLang="en-US" smtClean="0"/>
+              <a:pPr/>
               <a:t>2015-05-11</a:t>
             </a:fld>
             <a:endParaRPr lang="ko-KR" altLang="en-US"/>
@@ -1022,6 +1030,7 @@
           <a:p>
             <a:fld id="{13BC1C39-639F-46A8-A215-CD8A0FF09CE9}" type="slidenum">
               <a:rPr lang="ko-KR" altLang="en-US" smtClean="0"/>
+              <a:pPr/>
               <a:t>‹#›</a:t>
             </a:fld>
             <a:endParaRPr lang="ko-KR" altLang="en-US"/>
@@ -1145,6 +1154,7 @@
           <a:p>
             <a:fld id="{E81A8803-5B8E-419D-9ACF-CA5B6710BDA0}" type="datetimeFigureOut">
               <a:rPr lang="ko-KR" altLang="en-US" smtClean="0"/>
+              <a:pPr/>
               <a:t>2015-05-11</a:t>
             </a:fld>
             <a:endParaRPr lang="ko-KR" altLang="en-US"/>
@@ -1187,6 +1197,7 @@
           <a:p>
             <a:fld id="{13BC1C39-639F-46A8-A215-CD8A0FF09CE9}" type="slidenum">
               <a:rPr lang="ko-KR" altLang="en-US" smtClean="0"/>
+              <a:pPr/>
               <a:t>‹#›</a:t>
             </a:fld>
             <a:endParaRPr lang="ko-KR" altLang="en-US"/>
@@ -1386,6 +1397,7 @@
           <a:p>
             <a:fld id="{E81A8803-5B8E-419D-9ACF-CA5B6710BDA0}" type="datetimeFigureOut">
               <a:rPr lang="ko-KR" altLang="en-US" smtClean="0"/>
+              <a:pPr/>
               <a:t>2015-05-11</a:t>
             </a:fld>
             <a:endParaRPr lang="ko-KR" altLang="en-US"/>
@@ -1428,6 +1440,7 @@
           <a:p>
             <a:fld id="{13BC1C39-639F-46A8-A215-CD8A0FF09CE9}" type="slidenum">
               <a:rPr lang="ko-KR" altLang="en-US" smtClean="0"/>
+              <a:pPr/>
               <a:t>‹#›</a:t>
             </a:fld>
             <a:endParaRPr lang="ko-KR" altLang="en-US"/>
@@ -1669,6 +1682,7 @@
           <a:p>
             <a:fld id="{E81A8803-5B8E-419D-9ACF-CA5B6710BDA0}" type="datetimeFigureOut">
               <a:rPr lang="ko-KR" altLang="en-US" smtClean="0"/>
+              <a:pPr/>
               <a:t>2015-05-11</a:t>
             </a:fld>
             <a:endParaRPr lang="ko-KR" altLang="en-US"/>
@@ -1711,6 +1725,7 @@
           <a:p>
             <a:fld id="{13BC1C39-639F-46A8-A215-CD8A0FF09CE9}" type="slidenum">
               <a:rPr lang="ko-KR" altLang="en-US" smtClean="0"/>
+              <a:pPr/>
               <a:t>‹#›</a:t>
             </a:fld>
             <a:endParaRPr lang="ko-KR" altLang="en-US"/>
@@ -2086,6 +2101,7 @@
           <a:p>
             <a:fld id="{E81A8803-5B8E-419D-9ACF-CA5B6710BDA0}" type="datetimeFigureOut">
               <a:rPr lang="ko-KR" altLang="en-US" smtClean="0"/>
+              <a:pPr/>
               <a:t>2015-05-11</a:t>
             </a:fld>
             <a:endParaRPr lang="ko-KR" altLang="en-US"/>
@@ -2128,6 +2144,7 @@
           <a:p>
             <a:fld id="{13BC1C39-639F-46A8-A215-CD8A0FF09CE9}" type="slidenum">
               <a:rPr lang="ko-KR" altLang="en-US" smtClean="0"/>
+              <a:pPr/>
               <a:t>‹#›</a:t>
             </a:fld>
             <a:endParaRPr lang="ko-KR" altLang="en-US"/>
@@ -2199,6 +2216,7 @@
           <a:p>
             <a:fld id="{E81A8803-5B8E-419D-9ACF-CA5B6710BDA0}" type="datetimeFigureOut">
               <a:rPr lang="ko-KR" altLang="en-US" smtClean="0"/>
+              <a:pPr/>
               <a:t>2015-05-11</a:t>
             </a:fld>
             <a:endParaRPr lang="ko-KR" altLang="en-US"/>
@@ -2241,6 +2259,7 @@
           <a:p>
             <a:fld id="{13BC1C39-639F-46A8-A215-CD8A0FF09CE9}" type="slidenum">
               <a:rPr lang="ko-KR" altLang="en-US" smtClean="0"/>
+              <a:pPr/>
               <a:t>‹#›</a:t>
             </a:fld>
             <a:endParaRPr lang="ko-KR" altLang="en-US"/>
@@ -2289,6 +2308,7 @@
           <a:p>
             <a:fld id="{E81A8803-5B8E-419D-9ACF-CA5B6710BDA0}" type="datetimeFigureOut">
               <a:rPr lang="ko-KR" altLang="en-US" smtClean="0"/>
+              <a:pPr/>
               <a:t>2015-05-11</a:t>
             </a:fld>
             <a:endParaRPr lang="ko-KR" altLang="en-US"/>
@@ -2331,6 +2351,7 @@
           <a:p>
             <a:fld id="{13BC1C39-639F-46A8-A215-CD8A0FF09CE9}" type="slidenum">
               <a:rPr lang="ko-KR" altLang="en-US" smtClean="0"/>
+              <a:pPr/>
               <a:t>‹#›</a:t>
             </a:fld>
             <a:endParaRPr lang="ko-KR" altLang="en-US"/>
@@ -2561,6 +2582,7 @@
           <a:p>
             <a:fld id="{E81A8803-5B8E-419D-9ACF-CA5B6710BDA0}" type="datetimeFigureOut">
               <a:rPr lang="ko-KR" altLang="en-US" smtClean="0"/>
+              <a:pPr/>
               <a:t>2015-05-11</a:t>
             </a:fld>
             <a:endParaRPr lang="ko-KR" altLang="en-US"/>
@@ -2603,6 +2625,7 @@
           <a:p>
             <a:fld id="{13BC1C39-639F-46A8-A215-CD8A0FF09CE9}" type="slidenum">
               <a:rPr lang="ko-KR" altLang="en-US" smtClean="0"/>
+              <a:pPr/>
               <a:t>‹#›</a:t>
             </a:fld>
             <a:endParaRPr lang="ko-KR" altLang="en-US"/>
@@ -2809,6 +2832,7 @@
           <a:p>
             <a:fld id="{E81A8803-5B8E-419D-9ACF-CA5B6710BDA0}" type="datetimeFigureOut">
               <a:rPr lang="ko-KR" altLang="en-US" smtClean="0"/>
+              <a:pPr/>
               <a:t>2015-05-11</a:t>
             </a:fld>
             <a:endParaRPr lang="ko-KR" altLang="en-US"/>
@@ -2851,6 +2875,7 @@
           <a:p>
             <a:fld id="{13BC1C39-639F-46A8-A215-CD8A0FF09CE9}" type="slidenum">
               <a:rPr lang="ko-KR" altLang="en-US" smtClean="0"/>
+              <a:pPr/>
               <a:t>‹#›</a:t>
             </a:fld>
             <a:endParaRPr lang="ko-KR" altLang="en-US"/>
@@ -3017,6 +3042,7 @@
           <a:p>
             <a:fld id="{E81A8803-5B8E-419D-9ACF-CA5B6710BDA0}" type="datetimeFigureOut">
               <a:rPr lang="ko-KR" altLang="en-US" smtClean="0"/>
+              <a:pPr/>
               <a:t>2015-05-11</a:t>
             </a:fld>
             <a:endParaRPr lang="ko-KR" altLang="en-US"/>
@@ -3095,6 +3121,7 @@
           <a:p>
             <a:fld id="{13BC1C39-639F-46A8-A215-CD8A0FF09CE9}" type="slidenum">
               <a:rPr lang="ko-KR" altLang="en-US" smtClean="0"/>
+              <a:pPr/>
               <a:t>‹#›</a:t>
             </a:fld>
             <a:endParaRPr lang="ko-KR" altLang="en-US"/>
@@ -6417,152 +6444,6 @@
       </p:sp>
       <p:sp>
         <p:nvSpPr>
-          <p:cNvPr id="24" name="직사각형 23"/>
-          <p:cNvSpPr/>
-          <p:nvPr/>
-        </p:nvSpPr>
-        <p:spPr>
-          <a:xfrm>
-            <a:off x="2915816" y="2276872"/>
-            <a:ext cx="4752528" cy="1152128"/>
-          </a:xfrm>
-          <a:prstGeom prst="rect">
-            <a:avLst/>
-          </a:prstGeom>
-          <a:noFill/>
-        </p:spPr>
-        <p:style>
-          <a:lnRef idx="2">
-            <a:schemeClr val="accent1">
-              <a:shade val="50000"/>
-            </a:schemeClr>
-          </a:lnRef>
-          <a:fillRef idx="1">
-            <a:schemeClr val="accent1"/>
-          </a:fillRef>
-          <a:effectRef idx="0">
-            <a:schemeClr val="accent1"/>
-          </a:effectRef>
-          <a:fontRef idx="minor">
-            <a:schemeClr val="lt1"/>
-          </a:fontRef>
-        </p:style>
-        <p:txBody>
-          <a:bodyPr rtlCol="0" anchor="ctr"/>
-          <a:lstStyle/>
-          <a:p>
-            <a:pPr algn="ctr"/>
-            <a:endParaRPr lang="ko-KR" altLang="en-US"/>
-          </a:p>
-        </p:txBody>
-      </p:sp>
-      <p:sp>
-        <p:nvSpPr>
-          <p:cNvPr id="25" name="직사각형 24"/>
-          <p:cNvSpPr/>
-          <p:nvPr/>
-        </p:nvSpPr>
-        <p:spPr>
-          <a:xfrm>
-            <a:off x="6156176" y="3140968"/>
-            <a:ext cx="1503784" cy="288032"/>
-          </a:xfrm>
-          <a:prstGeom prst="rect">
-            <a:avLst/>
-          </a:prstGeom>
-          <a:solidFill>
-            <a:schemeClr val="accent1">
-              <a:lumMod val="40000"/>
-              <a:lumOff val="60000"/>
-            </a:schemeClr>
-          </a:solidFill>
-        </p:spPr>
-        <p:style>
-          <a:lnRef idx="2">
-            <a:schemeClr val="accent1">
-              <a:shade val="50000"/>
-            </a:schemeClr>
-          </a:lnRef>
-          <a:fillRef idx="1">
-            <a:schemeClr val="accent1"/>
-          </a:fillRef>
-          <a:effectRef idx="0">
-            <a:schemeClr val="accent1"/>
-          </a:effectRef>
-          <a:fontRef idx="minor">
-            <a:schemeClr val="lt1"/>
-          </a:fontRef>
-        </p:style>
-        <p:txBody>
-          <a:bodyPr rtlCol="0" anchor="ctr"/>
-          <a:lstStyle/>
-          <a:p>
-            <a:pPr algn="ctr"/>
-            <a:r>
-              <a:rPr lang="ko-KR" altLang="en-US" sz="1200" spc="-300" dirty="0" smtClean="0">
-                <a:solidFill>
-                  <a:schemeClr val="tx2">
-                    <a:lumMod val="50000"/>
-                  </a:schemeClr>
-                </a:solidFill>
-              </a:rPr>
-              <a:t>전</a:t>
-            </a:r>
-            <a:r>
-              <a:rPr lang="ko-KR" altLang="en-US" sz="1200" spc="-300" dirty="0">
-                <a:solidFill>
-                  <a:schemeClr val="tx2">
-                    <a:lumMod val="50000"/>
-                  </a:schemeClr>
-                </a:solidFill>
-              </a:rPr>
-              <a:t>송</a:t>
-            </a:r>
-          </a:p>
-        </p:txBody>
-      </p:sp>
-      <p:sp>
-        <p:nvSpPr>
-          <p:cNvPr id="26" name="직각 삼각형 25"/>
-          <p:cNvSpPr/>
-          <p:nvPr/>
-        </p:nvSpPr>
-        <p:spPr>
-          <a:xfrm rot="5400000">
-            <a:off x="2879812" y="2312876"/>
-            <a:ext cx="576064" cy="504056"/>
-          </a:xfrm>
-          <a:prstGeom prst="rtTriangle">
-            <a:avLst/>
-          </a:prstGeom>
-        </p:spPr>
-        <p:style>
-          <a:lnRef idx="2">
-            <a:schemeClr val="accent1">
-              <a:shade val="50000"/>
-            </a:schemeClr>
-          </a:lnRef>
-          <a:fillRef idx="1">
-            <a:schemeClr val="accent1"/>
-          </a:fillRef>
-          <a:effectRef idx="0">
-            <a:schemeClr val="accent1"/>
-          </a:effectRef>
-          <a:fontRef idx="minor">
-            <a:schemeClr val="lt1"/>
-          </a:fontRef>
-        </p:style>
-        <p:txBody>
-          <a:bodyPr rtlCol="0" anchor="ctr"/>
-          <a:lstStyle/>
-          <a:p>
-            <a:pPr algn="ctr"/>
-            <a:endParaRPr lang="ko-KR" altLang="en-US"/>
-          </a:p>
-        </p:txBody>
-      </p:sp>
-      <p:sp>
-        <p:nvSpPr>
           <p:cNvPr id="27" name="직사각형 26"/>
           <p:cNvSpPr/>
           <p:nvPr/>
@@ -6870,6 +6751,1494 @@
           <a:noFill/>
         </p:spPr>
       </p:pic>
+      <p:sp>
+        <p:nvSpPr>
+          <p:cNvPr id="33" name="직사각형 32"/>
+          <p:cNvSpPr/>
+          <p:nvPr/>
+        </p:nvSpPr>
+        <p:spPr>
+          <a:xfrm>
+            <a:off x="2915816" y="3140968"/>
+            <a:ext cx="4824536" cy="495672"/>
+          </a:xfrm>
+          <a:prstGeom prst="rect">
+            <a:avLst/>
+          </a:prstGeom>
+          <a:noFill/>
+        </p:spPr>
+        <p:style>
+          <a:lnRef idx="2">
+            <a:schemeClr val="accent1">
+              <a:shade val="50000"/>
+            </a:schemeClr>
+          </a:lnRef>
+          <a:fillRef idx="1">
+            <a:schemeClr val="accent1"/>
+          </a:fillRef>
+          <a:effectRef idx="0">
+            <a:schemeClr val="accent1"/>
+          </a:effectRef>
+          <a:fontRef idx="minor">
+            <a:schemeClr val="lt1"/>
+          </a:fontRef>
+        </p:style>
+        <p:txBody>
+          <a:bodyPr rtlCol="0" anchor="ctr"/>
+          <a:lstStyle/>
+          <a:p>
+            <a:pPr algn="ctr"/>
+            <a:endParaRPr lang="ko-KR" altLang="en-US"/>
+          </a:p>
+        </p:txBody>
+      </p:sp>
+      <p:pic>
+        <p:nvPicPr>
+          <p:cNvPr id="34" name="Picture 2" descr="http://bbva-lec.s3.amazonaws.com/styles/profile_medium/s3/default_images/buddy.png?itok=zekeh2SH"/>
+          <p:cNvPicPr>
+            <a:picLocks noChangeAspect="1" noChangeArrowheads="1"/>
+          </p:cNvPicPr>
+          <p:nvPr/>
+        </p:nvPicPr>
+        <p:blipFill>
+          <a:blip r:embed="rId3" cstate="print"/>
+          <a:srcRect/>
+          <a:stretch>
+            <a:fillRect/>
+          </a:stretch>
+        </p:blipFill>
+        <p:spPr bwMode="auto">
+          <a:xfrm>
+            <a:off x="2987824" y="3212976"/>
+            <a:ext cx="360040" cy="360040"/>
+          </a:xfrm>
+          <a:prstGeom prst="rect">
+            <a:avLst/>
+          </a:prstGeom>
+          <a:noFill/>
+        </p:spPr>
+      </p:pic>
+      <p:sp>
+        <p:nvSpPr>
+          <p:cNvPr id="35" name="직사각형 34"/>
+          <p:cNvSpPr/>
+          <p:nvPr/>
+        </p:nvSpPr>
+        <p:spPr>
+          <a:xfrm>
+            <a:off x="2915816" y="2636912"/>
+            <a:ext cx="4824536" cy="495672"/>
+          </a:xfrm>
+          <a:prstGeom prst="rect">
+            <a:avLst/>
+          </a:prstGeom>
+          <a:noFill/>
+        </p:spPr>
+        <p:style>
+          <a:lnRef idx="2">
+            <a:schemeClr val="accent1">
+              <a:shade val="50000"/>
+            </a:schemeClr>
+          </a:lnRef>
+          <a:fillRef idx="1">
+            <a:schemeClr val="accent1"/>
+          </a:fillRef>
+          <a:effectRef idx="0">
+            <a:schemeClr val="accent1"/>
+          </a:effectRef>
+          <a:fontRef idx="minor">
+            <a:schemeClr val="lt1"/>
+          </a:fontRef>
+        </p:style>
+        <p:txBody>
+          <a:bodyPr rtlCol="0" anchor="ctr"/>
+          <a:lstStyle/>
+          <a:p>
+            <a:pPr algn="ctr"/>
+            <a:endParaRPr lang="ko-KR" altLang="en-US"/>
+          </a:p>
+        </p:txBody>
+      </p:sp>
+      <p:pic>
+        <p:nvPicPr>
+          <p:cNvPr id="39" name="Picture 2" descr="http://bbva-lec.s3.amazonaws.com/styles/profile_medium/s3/default_images/buddy.png?itok=zekeh2SH"/>
+          <p:cNvPicPr>
+            <a:picLocks noChangeAspect="1" noChangeArrowheads="1"/>
+          </p:cNvPicPr>
+          <p:nvPr/>
+        </p:nvPicPr>
+        <p:blipFill>
+          <a:blip r:embed="rId3" cstate="print"/>
+          <a:srcRect/>
+          <a:stretch>
+            <a:fillRect/>
+          </a:stretch>
+        </p:blipFill>
+        <p:spPr bwMode="auto">
+          <a:xfrm>
+            <a:off x="2987824" y="2708920"/>
+            <a:ext cx="360040" cy="360040"/>
+          </a:xfrm>
+          <a:prstGeom prst="rect">
+            <a:avLst/>
+          </a:prstGeom>
+          <a:noFill/>
+        </p:spPr>
+      </p:pic>
+      <p:sp>
+        <p:nvSpPr>
+          <p:cNvPr id="42" name="직사각형 41"/>
+          <p:cNvSpPr/>
+          <p:nvPr/>
+        </p:nvSpPr>
+        <p:spPr>
+          <a:xfrm>
+            <a:off x="3491880" y="2780928"/>
+            <a:ext cx="1354859" cy="261610"/>
+          </a:xfrm>
+          <a:prstGeom prst="rect">
+            <a:avLst/>
+          </a:prstGeom>
+        </p:spPr>
+        <p:txBody>
+          <a:bodyPr wrap="none">
+            <a:spAutoFit/>
+          </a:bodyPr>
+          <a:lstStyle/>
+          <a:p>
+            <a:pPr algn="ctr"/>
+            <a:r>
+              <a:rPr lang="ko-KR" altLang="en-US" sz="1100" spc="-150" dirty="0" smtClean="0"/>
+              <a:t>작성자 </a:t>
+            </a:r>
+            <a:r>
+              <a:rPr lang="en-US" altLang="ko-KR" sz="1100" spc="-150" dirty="0" smtClean="0"/>
+              <a:t>/ </a:t>
+            </a:r>
+            <a:r>
+              <a:rPr lang="ko-KR" altLang="en-US" sz="1100" spc="-150" dirty="0" smtClean="0"/>
+              <a:t>제목</a:t>
+            </a:r>
+            <a:r>
+              <a:rPr lang="en-US" altLang="ko-KR" sz="1100" spc="-150" dirty="0" smtClean="0"/>
+              <a:t> </a:t>
+            </a:r>
+            <a:r>
+              <a:rPr lang="en-US" altLang="ko-KR" sz="1100" spc="-150" dirty="0" smtClean="0"/>
+              <a:t>/ </a:t>
+            </a:r>
+            <a:r>
+              <a:rPr lang="ko-KR" altLang="en-US" sz="1100" spc="-150" dirty="0" smtClean="0"/>
+              <a:t>작성일</a:t>
+            </a:r>
+            <a:endParaRPr lang="ko-KR" altLang="en-US" sz="1100" spc="-150" dirty="0"/>
+          </a:p>
+        </p:txBody>
+      </p:sp>
+      <p:sp>
+        <p:nvSpPr>
+          <p:cNvPr id="43" name="직사각형 42"/>
+          <p:cNvSpPr/>
+          <p:nvPr/>
+        </p:nvSpPr>
+        <p:spPr>
+          <a:xfrm>
+            <a:off x="3491880" y="3239398"/>
+            <a:ext cx="1354859" cy="261610"/>
+          </a:xfrm>
+          <a:prstGeom prst="rect">
+            <a:avLst/>
+          </a:prstGeom>
+        </p:spPr>
+        <p:txBody>
+          <a:bodyPr wrap="none">
+            <a:spAutoFit/>
+          </a:bodyPr>
+          <a:lstStyle/>
+          <a:p>
+            <a:pPr algn="ctr"/>
+            <a:r>
+              <a:rPr lang="ko-KR" altLang="en-US" sz="1100" spc="-150" dirty="0" smtClean="0"/>
+              <a:t>작성자 </a:t>
+            </a:r>
+            <a:r>
+              <a:rPr lang="en-US" altLang="ko-KR" sz="1100" spc="-150" dirty="0" smtClean="0"/>
+              <a:t>/ </a:t>
+            </a:r>
+            <a:r>
+              <a:rPr lang="ko-KR" altLang="en-US" sz="1100" spc="-150" dirty="0" smtClean="0"/>
+              <a:t>제목</a:t>
+            </a:r>
+            <a:r>
+              <a:rPr lang="en-US" altLang="ko-KR" sz="1100" spc="-150" dirty="0" smtClean="0"/>
+              <a:t> </a:t>
+            </a:r>
+            <a:r>
+              <a:rPr lang="en-US" altLang="ko-KR" sz="1100" spc="-150" dirty="0" smtClean="0"/>
+              <a:t>/ </a:t>
+            </a:r>
+            <a:r>
+              <a:rPr lang="ko-KR" altLang="en-US" sz="1100" spc="-150" dirty="0" smtClean="0"/>
+              <a:t>작성일</a:t>
+            </a:r>
+            <a:endParaRPr lang="ko-KR" altLang="en-US" sz="1100" spc="-150" dirty="0"/>
+          </a:p>
+        </p:txBody>
+      </p:sp>
+      <p:sp>
+        <p:nvSpPr>
+          <p:cNvPr id="44" name="직사각형 43"/>
+          <p:cNvSpPr/>
+          <p:nvPr/>
+        </p:nvSpPr>
+        <p:spPr>
+          <a:xfrm>
+            <a:off x="3505173" y="3743454"/>
+            <a:ext cx="1354859" cy="261610"/>
+          </a:xfrm>
+          <a:prstGeom prst="rect">
+            <a:avLst/>
+          </a:prstGeom>
+        </p:spPr>
+        <p:txBody>
+          <a:bodyPr wrap="none">
+            <a:spAutoFit/>
+          </a:bodyPr>
+          <a:lstStyle/>
+          <a:p>
+            <a:pPr algn="ctr"/>
+            <a:r>
+              <a:rPr lang="ko-KR" altLang="en-US" sz="1100" spc="-150" dirty="0" smtClean="0"/>
+              <a:t>작성자 </a:t>
+            </a:r>
+            <a:r>
+              <a:rPr lang="en-US" altLang="ko-KR" sz="1100" spc="-150" dirty="0" smtClean="0"/>
+              <a:t>/ </a:t>
+            </a:r>
+            <a:r>
+              <a:rPr lang="ko-KR" altLang="en-US" sz="1100" spc="-150" dirty="0" smtClean="0"/>
+              <a:t>제목</a:t>
+            </a:r>
+            <a:r>
+              <a:rPr lang="en-US" altLang="ko-KR" sz="1100" spc="-150" dirty="0" smtClean="0"/>
+              <a:t> </a:t>
+            </a:r>
+            <a:r>
+              <a:rPr lang="en-US" altLang="ko-KR" sz="1100" spc="-150" dirty="0" smtClean="0"/>
+              <a:t>/ </a:t>
+            </a:r>
+            <a:r>
+              <a:rPr lang="ko-KR" altLang="en-US" sz="1100" spc="-150" dirty="0" smtClean="0"/>
+              <a:t>작성일</a:t>
+            </a:r>
+            <a:endParaRPr lang="ko-KR" altLang="en-US" sz="1100" spc="-150" dirty="0"/>
+          </a:p>
+        </p:txBody>
+      </p:sp>
+      <p:sp>
+        <p:nvSpPr>
+          <p:cNvPr id="45" name="직사각형 44"/>
+          <p:cNvSpPr/>
+          <p:nvPr/>
+        </p:nvSpPr>
+        <p:spPr>
+          <a:xfrm>
+            <a:off x="3505173" y="4293096"/>
+            <a:ext cx="1354859" cy="261610"/>
+          </a:xfrm>
+          <a:prstGeom prst="rect">
+            <a:avLst/>
+          </a:prstGeom>
+        </p:spPr>
+        <p:txBody>
+          <a:bodyPr wrap="none">
+            <a:spAutoFit/>
+          </a:bodyPr>
+          <a:lstStyle/>
+          <a:p>
+            <a:pPr algn="ctr"/>
+            <a:r>
+              <a:rPr lang="ko-KR" altLang="en-US" sz="1100" spc="-150" dirty="0" smtClean="0"/>
+              <a:t>작성자 </a:t>
+            </a:r>
+            <a:r>
+              <a:rPr lang="en-US" altLang="ko-KR" sz="1100" spc="-150" dirty="0" smtClean="0"/>
+              <a:t>/ </a:t>
+            </a:r>
+            <a:r>
+              <a:rPr lang="ko-KR" altLang="en-US" sz="1100" spc="-150" dirty="0" smtClean="0"/>
+              <a:t>제목</a:t>
+            </a:r>
+            <a:r>
+              <a:rPr lang="en-US" altLang="ko-KR" sz="1100" spc="-150" dirty="0" smtClean="0"/>
+              <a:t> </a:t>
+            </a:r>
+            <a:r>
+              <a:rPr lang="en-US" altLang="ko-KR" sz="1100" spc="-150" dirty="0" smtClean="0"/>
+              <a:t>/ </a:t>
+            </a:r>
+            <a:r>
+              <a:rPr lang="ko-KR" altLang="en-US" sz="1100" spc="-150" dirty="0" smtClean="0"/>
+              <a:t>작성일</a:t>
+            </a:r>
+            <a:endParaRPr lang="ko-KR" altLang="en-US" sz="1100" spc="-150" dirty="0"/>
+          </a:p>
+        </p:txBody>
+      </p:sp>
+      <p:sp>
+        <p:nvSpPr>
+          <p:cNvPr id="46" name="직사각형 45"/>
+          <p:cNvSpPr/>
+          <p:nvPr/>
+        </p:nvSpPr>
+        <p:spPr>
+          <a:xfrm>
+            <a:off x="3505173" y="4797152"/>
+            <a:ext cx="1354859" cy="261610"/>
+          </a:xfrm>
+          <a:prstGeom prst="rect">
+            <a:avLst/>
+          </a:prstGeom>
+        </p:spPr>
+        <p:txBody>
+          <a:bodyPr wrap="none">
+            <a:spAutoFit/>
+          </a:bodyPr>
+          <a:lstStyle/>
+          <a:p>
+            <a:pPr algn="ctr"/>
+            <a:r>
+              <a:rPr lang="ko-KR" altLang="en-US" sz="1100" spc="-150" dirty="0" smtClean="0"/>
+              <a:t>작성자 </a:t>
+            </a:r>
+            <a:r>
+              <a:rPr lang="en-US" altLang="ko-KR" sz="1100" spc="-150" dirty="0" smtClean="0"/>
+              <a:t>/ </a:t>
+            </a:r>
+            <a:r>
+              <a:rPr lang="ko-KR" altLang="en-US" sz="1100" spc="-150" dirty="0" smtClean="0"/>
+              <a:t>제목</a:t>
+            </a:r>
+            <a:r>
+              <a:rPr lang="en-US" altLang="ko-KR" sz="1100" spc="-150" dirty="0" smtClean="0"/>
+              <a:t> </a:t>
+            </a:r>
+            <a:r>
+              <a:rPr lang="en-US" altLang="ko-KR" sz="1100" spc="-150" dirty="0" smtClean="0"/>
+              <a:t>/ </a:t>
+            </a:r>
+            <a:r>
+              <a:rPr lang="ko-KR" altLang="en-US" sz="1100" spc="-150" dirty="0" smtClean="0"/>
+              <a:t>작성일</a:t>
+            </a:r>
+            <a:endParaRPr lang="ko-KR" altLang="en-US" sz="1100" spc="-150" dirty="0"/>
+          </a:p>
+        </p:txBody>
+      </p:sp>
+      <p:pic>
+        <p:nvPicPr>
+          <p:cNvPr id="47" name="Picture 2" descr="http://pixabay.com/static/uploads/photo/2012/04/11/00/03/edit-27213_640.png"/>
+          <p:cNvPicPr>
+            <a:picLocks noChangeAspect="1" noChangeArrowheads="1"/>
+          </p:cNvPicPr>
+          <p:nvPr/>
+        </p:nvPicPr>
+        <p:blipFill>
+          <a:blip r:embed="rId4" cstate="print"/>
+          <a:srcRect/>
+          <a:stretch>
+            <a:fillRect/>
+          </a:stretch>
+        </p:blipFill>
+        <p:spPr bwMode="auto">
+          <a:xfrm>
+            <a:off x="7372999" y="3717032"/>
+            <a:ext cx="223337" cy="360040"/>
+          </a:xfrm>
+          <a:prstGeom prst="rect">
+            <a:avLst/>
+          </a:prstGeom>
+          <a:noFill/>
+        </p:spPr>
+      </p:pic>
+      <p:pic>
+        <p:nvPicPr>
+          <p:cNvPr id="48" name="Picture 2" descr="http://pixabay.com/static/uploads/photo/2012/04/11/00/03/edit-27213_640.png"/>
+          <p:cNvPicPr>
+            <a:picLocks noChangeAspect="1" noChangeArrowheads="1"/>
+          </p:cNvPicPr>
+          <p:nvPr/>
+        </p:nvPicPr>
+        <p:blipFill>
+          <a:blip r:embed="rId4" cstate="print"/>
+          <a:srcRect/>
+          <a:stretch>
+            <a:fillRect/>
+          </a:stretch>
+        </p:blipFill>
+        <p:spPr bwMode="auto">
+          <a:xfrm>
+            <a:off x="7380312" y="4725144"/>
+            <a:ext cx="223337" cy="360040"/>
+          </a:xfrm>
+          <a:prstGeom prst="rect">
+            <a:avLst/>
+          </a:prstGeom>
+          <a:noFill/>
+        </p:spPr>
+      </p:pic>
+      <p:sp>
+        <p:nvSpPr>
+          <p:cNvPr id="49" name="직사각형 48"/>
+          <p:cNvSpPr/>
+          <p:nvPr/>
+        </p:nvSpPr>
+        <p:spPr>
+          <a:xfrm>
+            <a:off x="6228184" y="2276872"/>
+            <a:ext cx="1503784" cy="288032"/>
+          </a:xfrm>
+          <a:prstGeom prst="rect">
+            <a:avLst/>
+          </a:prstGeom>
+          <a:solidFill>
+            <a:schemeClr val="accent1">
+              <a:lumMod val="40000"/>
+              <a:lumOff val="60000"/>
+            </a:schemeClr>
+          </a:solidFill>
+        </p:spPr>
+        <p:style>
+          <a:lnRef idx="2">
+            <a:schemeClr val="accent1">
+              <a:shade val="50000"/>
+            </a:schemeClr>
+          </a:lnRef>
+          <a:fillRef idx="1">
+            <a:schemeClr val="accent1"/>
+          </a:fillRef>
+          <a:effectRef idx="0">
+            <a:schemeClr val="accent1"/>
+          </a:effectRef>
+          <a:fontRef idx="minor">
+            <a:schemeClr val="lt1"/>
+          </a:fontRef>
+        </p:style>
+        <p:txBody>
+          <a:bodyPr rtlCol="0" anchor="ctr"/>
+          <a:lstStyle/>
+          <a:p>
+            <a:pPr algn="ctr"/>
+            <a:endParaRPr lang="ko-KR" altLang="en-US"/>
+          </a:p>
+        </p:txBody>
+      </p:sp>
+      <p:sp>
+        <p:nvSpPr>
+          <p:cNvPr id="50" name="TextBox 49"/>
+          <p:cNvSpPr txBox="1"/>
+          <p:nvPr/>
+        </p:nvSpPr>
+        <p:spPr>
+          <a:xfrm>
+            <a:off x="6444208" y="2276872"/>
+            <a:ext cx="1140762" cy="276999"/>
+          </a:xfrm>
+          <a:prstGeom prst="rect">
+            <a:avLst/>
+          </a:prstGeom>
+          <a:noFill/>
+        </p:spPr>
+        <p:txBody>
+          <a:bodyPr wrap="none" rtlCol="0">
+            <a:spAutoFit/>
+          </a:bodyPr>
+          <a:lstStyle/>
+          <a:p>
+            <a:r>
+              <a:rPr lang="en-US" altLang="ko-KR" sz="1200" dirty="0" smtClean="0"/>
+              <a:t>NEW</a:t>
+            </a:r>
+            <a:r>
+              <a:rPr lang="en-US" altLang="ko-KR" sz="1200" spc="-300" dirty="0" smtClean="0"/>
+              <a:t> </a:t>
+            </a:r>
+            <a:r>
+              <a:rPr lang="ko-KR" altLang="en-US" sz="1200" spc="-300" dirty="0" err="1" smtClean="0"/>
+              <a:t>새글</a:t>
+            </a:r>
+            <a:r>
+              <a:rPr lang="ko-KR" altLang="en-US" sz="1200" spc="-300" dirty="0" smtClean="0"/>
+              <a:t> 남기기</a:t>
+            </a:r>
+            <a:endParaRPr lang="ko-KR" altLang="en-US" sz="1200" spc="-300" dirty="0"/>
+          </a:p>
+        </p:txBody>
+      </p:sp>
+    </p:spTree>
+  </p:cSld>
+  <p:clrMapOvr>
+    <a:masterClrMapping/>
+  </p:clrMapOvr>
+</p:sld>
+</file>
+
+<file path=ppt/slides/slide4.xml><?xml version="1.0" encoding="utf-8"?>
+<p:sld xmlns:a="http://schemas.openxmlformats.org/drawingml/2006/main" xmlns:r="http://schemas.openxmlformats.org/officeDocument/2006/relationships" xmlns:p="http://schemas.openxmlformats.org/presentationml/2006/main">
+  <p:cSld>
+    <p:spTree>
+      <p:nvGrpSpPr>
+        <p:cNvPr id="1" name=""/>
+        <p:cNvGrpSpPr/>
+        <p:nvPr/>
+      </p:nvGrpSpPr>
+      <p:grpSpPr>
+        <a:xfrm>
+          <a:off x="0" y="0"/>
+          <a:ext cx="0" cy="0"/>
+          <a:chOff x="0" y="0"/>
+          <a:chExt cx="0" cy="0"/>
+        </a:xfrm>
+      </p:grpSpPr>
+      <p:sp>
+        <p:nvSpPr>
+          <p:cNvPr id="4" name="직사각형 3"/>
+          <p:cNvSpPr/>
+          <p:nvPr/>
+        </p:nvSpPr>
+        <p:spPr>
+          <a:xfrm>
+            <a:off x="467544" y="980728"/>
+            <a:ext cx="7992888" cy="5400600"/>
+          </a:xfrm>
+          <a:prstGeom prst="rect">
+            <a:avLst/>
+          </a:prstGeom>
+          <a:noFill/>
+        </p:spPr>
+        <p:style>
+          <a:lnRef idx="2">
+            <a:schemeClr val="accent1">
+              <a:shade val="50000"/>
+            </a:schemeClr>
+          </a:lnRef>
+          <a:fillRef idx="1">
+            <a:schemeClr val="accent1"/>
+          </a:fillRef>
+          <a:effectRef idx="0">
+            <a:schemeClr val="accent1"/>
+          </a:effectRef>
+          <a:fontRef idx="minor">
+            <a:schemeClr val="lt1"/>
+          </a:fontRef>
+        </p:style>
+        <p:txBody>
+          <a:bodyPr rtlCol="0" anchor="ctr"/>
+          <a:lstStyle/>
+          <a:p>
+            <a:pPr algn="ctr"/>
+            <a:endParaRPr lang="ko-KR" altLang="en-US"/>
+          </a:p>
+        </p:txBody>
+      </p:sp>
+      <p:sp>
+        <p:nvSpPr>
+          <p:cNvPr id="5" name="직사각형 4"/>
+          <p:cNvSpPr/>
+          <p:nvPr/>
+        </p:nvSpPr>
+        <p:spPr>
+          <a:xfrm>
+            <a:off x="683568" y="1196752"/>
+            <a:ext cx="1647800" cy="1935832"/>
+          </a:xfrm>
+          <a:prstGeom prst="rect">
+            <a:avLst/>
+          </a:prstGeom>
+          <a:noFill/>
+        </p:spPr>
+        <p:style>
+          <a:lnRef idx="2">
+            <a:schemeClr val="accent1">
+              <a:shade val="50000"/>
+            </a:schemeClr>
+          </a:lnRef>
+          <a:fillRef idx="1">
+            <a:schemeClr val="accent1"/>
+          </a:fillRef>
+          <a:effectRef idx="0">
+            <a:schemeClr val="accent1"/>
+          </a:effectRef>
+          <a:fontRef idx="minor">
+            <a:schemeClr val="lt1"/>
+          </a:fontRef>
+        </p:style>
+        <p:txBody>
+          <a:bodyPr rtlCol="0" anchor="ctr"/>
+          <a:lstStyle/>
+          <a:p>
+            <a:pPr algn="ctr"/>
+            <a:endParaRPr lang="ko-KR" altLang="en-US"/>
+          </a:p>
+        </p:txBody>
+      </p:sp>
+      <p:pic>
+        <p:nvPicPr>
+          <p:cNvPr id="1026" name="Picture 2" descr="http://bbva-lec.s3.amazonaws.com/styles/profile_medium/s3/default_images/buddy.png?itok=zekeh2SH"/>
+          <p:cNvPicPr>
+            <a:picLocks noChangeAspect="1" noChangeArrowheads="1"/>
+          </p:cNvPicPr>
+          <p:nvPr/>
+        </p:nvPicPr>
+        <p:blipFill>
+          <a:blip r:embed="rId2" cstate="print"/>
+          <a:srcRect/>
+          <a:stretch>
+            <a:fillRect/>
+          </a:stretch>
+        </p:blipFill>
+        <p:spPr bwMode="auto">
+          <a:xfrm>
+            <a:off x="827584" y="1700808"/>
+            <a:ext cx="1368152" cy="1368152"/>
+          </a:xfrm>
+          <a:prstGeom prst="rect">
+            <a:avLst/>
+          </a:prstGeom>
+          <a:noFill/>
+        </p:spPr>
+      </p:pic>
+      <p:sp>
+        <p:nvSpPr>
+          <p:cNvPr id="7" name="직사각형 6"/>
+          <p:cNvSpPr/>
+          <p:nvPr/>
+        </p:nvSpPr>
+        <p:spPr>
+          <a:xfrm>
+            <a:off x="683568" y="3284984"/>
+            <a:ext cx="1647800" cy="1935832"/>
+          </a:xfrm>
+          <a:prstGeom prst="rect">
+            <a:avLst/>
+          </a:prstGeom>
+          <a:noFill/>
+        </p:spPr>
+        <p:style>
+          <a:lnRef idx="2">
+            <a:schemeClr val="accent1">
+              <a:shade val="50000"/>
+            </a:schemeClr>
+          </a:lnRef>
+          <a:fillRef idx="1">
+            <a:schemeClr val="accent1"/>
+          </a:fillRef>
+          <a:effectRef idx="0">
+            <a:schemeClr val="accent1"/>
+          </a:effectRef>
+          <a:fontRef idx="minor">
+            <a:schemeClr val="lt1"/>
+          </a:fontRef>
+        </p:style>
+        <p:txBody>
+          <a:bodyPr rtlCol="0" anchor="ctr"/>
+          <a:lstStyle/>
+          <a:p>
+            <a:pPr algn="ctr"/>
+            <a:endParaRPr lang="ko-KR" altLang="en-US"/>
+          </a:p>
+        </p:txBody>
+      </p:sp>
+      <p:sp>
+        <p:nvSpPr>
+          <p:cNvPr id="8" name="직사각형 7"/>
+          <p:cNvSpPr/>
+          <p:nvPr/>
+        </p:nvSpPr>
+        <p:spPr>
+          <a:xfrm>
+            <a:off x="755576" y="3717032"/>
+            <a:ext cx="1503784" cy="288032"/>
+          </a:xfrm>
+          <a:prstGeom prst="rect">
+            <a:avLst/>
+          </a:prstGeom>
+          <a:noFill/>
+        </p:spPr>
+        <p:style>
+          <a:lnRef idx="2">
+            <a:schemeClr val="accent1">
+              <a:shade val="50000"/>
+            </a:schemeClr>
+          </a:lnRef>
+          <a:fillRef idx="1">
+            <a:schemeClr val="accent1"/>
+          </a:fillRef>
+          <a:effectRef idx="0">
+            <a:schemeClr val="accent1"/>
+          </a:effectRef>
+          <a:fontRef idx="minor">
+            <a:schemeClr val="lt1"/>
+          </a:fontRef>
+        </p:style>
+        <p:txBody>
+          <a:bodyPr rtlCol="0" anchor="ctr"/>
+          <a:lstStyle/>
+          <a:p>
+            <a:pPr algn="ctr"/>
+            <a:endParaRPr lang="ko-KR" altLang="en-US"/>
+          </a:p>
+        </p:txBody>
+      </p:sp>
+      <p:sp>
+        <p:nvSpPr>
+          <p:cNvPr id="9" name="TextBox 8"/>
+          <p:cNvSpPr txBox="1"/>
+          <p:nvPr/>
+        </p:nvSpPr>
+        <p:spPr>
+          <a:xfrm>
+            <a:off x="1187624" y="3717032"/>
+            <a:ext cx="562975" cy="276999"/>
+          </a:xfrm>
+          <a:prstGeom prst="rect">
+            <a:avLst/>
+          </a:prstGeom>
+          <a:noFill/>
+        </p:spPr>
+        <p:txBody>
+          <a:bodyPr wrap="none" rtlCol="0">
+            <a:spAutoFit/>
+          </a:bodyPr>
+          <a:lstStyle/>
+          <a:p>
+            <a:r>
+              <a:rPr lang="ko-KR" altLang="en-US" sz="1200" spc="-300" dirty="0" smtClean="0"/>
+              <a:t>내  정보</a:t>
+            </a:r>
+            <a:endParaRPr lang="ko-KR" altLang="en-US" sz="1200" spc="-300" dirty="0"/>
+          </a:p>
+        </p:txBody>
+      </p:sp>
+      <p:sp>
+        <p:nvSpPr>
+          <p:cNvPr id="10" name="직사각형 9"/>
+          <p:cNvSpPr/>
+          <p:nvPr/>
+        </p:nvSpPr>
+        <p:spPr>
+          <a:xfrm>
+            <a:off x="755576" y="4149080"/>
+            <a:ext cx="1503784" cy="288032"/>
+          </a:xfrm>
+          <a:prstGeom prst="rect">
+            <a:avLst/>
+          </a:prstGeom>
+          <a:solidFill>
+            <a:schemeClr val="accent1">
+              <a:lumMod val="40000"/>
+              <a:lumOff val="60000"/>
+            </a:schemeClr>
+          </a:solidFill>
+        </p:spPr>
+        <p:style>
+          <a:lnRef idx="2">
+            <a:schemeClr val="accent1">
+              <a:shade val="50000"/>
+            </a:schemeClr>
+          </a:lnRef>
+          <a:fillRef idx="1">
+            <a:schemeClr val="accent1"/>
+          </a:fillRef>
+          <a:effectRef idx="0">
+            <a:schemeClr val="accent1"/>
+          </a:effectRef>
+          <a:fontRef idx="minor">
+            <a:schemeClr val="lt1"/>
+          </a:fontRef>
+        </p:style>
+        <p:txBody>
+          <a:bodyPr rtlCol="0" anchor="ctr"/>
+          <a:lstStyle/>
+          <a:p>
+            <a:pPr algn="ctr"/>
+            <a:endParaRPr lang="ko-KR" altLang="en-US"/>
+          </a:p>
+        </p:txBody>
+      </p:sp>
+      <p:sp>
+        <p:nvSpPr>
+          <p:cNvPr id="11" name="TextBox 10"/>
+          <p:cNvSpPr txBox="1"/>
+          <p:nvPr/>
+        </p:nvSpPr>
+        <p:spPr>
+          <a:xfrm>
+            <a:off x="1115616" y="4149080"/>
+            <a:ext cx="678391" cy="276999"/>
+          </a:xfrm>
+          <a:prstGeom prst="rect">
+            <a:avLst/>
+          </a:prstGeom>
+          <a:noFill/>
+        </p:spPr>
+        <p:txBody>
+          <a:bodyPr wrap="none" rtlCol="0">
+            <a:spAutoFit/>
+          </a:bodyPr>
+          <a:lstStyle/>
+          <a:p>
+            <a:r>
+              <a:rPr lang="ko-KR" altLang="en-US" sz="1200" spc="-300" dirty="0" smtClean="0"/>
+              <a:t>내  담벼락</a:t>
+            </a:r>
+            <a:endParaRPr lang="ko-KR" altLang="en-US" sz="1200" spc="-300" dirty="0"/>
+          </a:p>
+        </p:txBody>
+      </p:sp>
+      <p:sp>
+        <p:nvSpPr>
+          <p:cNvPr id="12" name="직사각형 11"/>
+          <p:cNvSpPr/>
+          <p:nvPr/>
+        </p:nvSpPr>
+        <p:spPr>
+          <a:xfrm>
+            <a:off x="2627784" y="1340768"/>
+            <a:ext cx="5472608" cy="4824536"/>
+          </a:xfrm>
+          <a:prstGeom prst="rect">
+            <a:avLst/>
+          </a:prstGeom>
+          <a:noFill/>
+        </p:spPr>
+        <p:style>
+          <a:lnRef idx="2">
+            <a:schemeClr val="accent1">
+              <a:shade val="50000"/>
+            </a:schemeClr>
+          </a:lnRef>
+          <a:fillRef idx="1">
+            <a:schemeClr val="accent1"/>
+          </a:fillRef>
+          <a:effectRef idx="0">
+            <a:schemeClr val="accent1"/>
+          </a:effectRef>
+          <a:fontRef idx="minor">
+            <a:schemeClr val="lt1"/>
+          </a:fontRef>
+        </p:style>
+        <p:txBody>
+          <a:bodyPr rtlCol="0" anchor="ctr"/>
+          <a:lstStyle/>
+          <a:p>
+            <a:pPr algn="ctr"/>
+            <a:endParaRPr lang="ko-KR" altLang="en-US"/>
+          </a:p>
+        </p:txBody>
+      </p:sp>
+      <p:sp>
+        <p:nvSpPr>
+          <p:cNvPr id="19" name="직각 삼각형 18"/>
+          <p:cNvSpPr/>
+          <p:nvPr/>
+        </p:nvSpPr>
+        <p:spPr>
+          <a:xfrm rot="5400000">
+            <a:off x="467544" y="980728"/>
+            <a:ext cx="1008112" cy="1008112"/>
+          </a:xfrm>
+          <a:prstGeom prst="rtTriangle">
+            <a:avLst/>
+          </a:prstGeom>
+        </p:spPr>
+        <p:style>
+          <a:lnRef idx="2">
+            <a:schemeClr val="accent1">
+              <a:shade val="50000"/>
+            </a:schemeClr>
+          </a:lnRef>
+          <a:fillRef idx="1">
+            <a:schemeClr val="accent1"/>
+          </a:fillRef>
+          <a:effectRef idx="0">
+            <a:schemeClr val="accent1"/>
+          </a:effectRef>
+          <a:fontRef idx="minor">
+            <a:schemeClr val="lt1"/>
+          </a:fontRef>
+        </p:style>
+        <p:txBody>
+          <a:bodyPr rtlCol="0" anchor="ctr"/>
+          <a:lstStyle/>
+          <a:p>
+            <a:pPr algn="ctr"/>
+            <a:endParaRPr lang="ko-KR" altLang="en-US"/>
+          </a:p>
+        </p:txBody>
+      </p:sp>
+      <p:sp>
+        <p:nvSpPr>
+          <p:cNvPr id="20" name="직각 삼각형 19"/>
+          <p:cNvSpPr/>
+          <p:nvPr/>
+        </p:nvSpPr>
+        <p:spPr>
+          <a:xfrm rot="16200000">
+            <a:off x="7452320" y="5373216"/>
+            <a:ext cx="1008112" cy="1008112"/>
+          </a:xfrm>
+          <a:prstGeom prst="rtTriangle">
+            <a:avLst/>
+          </a:prstGeom>
+        </p:spPr>
+        <p:style>
+          <a:lnRef idx="2">
+            <a:schemeClr val="accent1">
+              <a:shade val="50000"/>
+            </a:schemeClr>
+          </a:lnRef>
+          <a:fillRef idx="1">
+            <a:schemeClr val="accent1"/>
+          </a:fillRef>
+          <a:effectRef idx="0">
+            <a:schemeClr val="accent1"/>
+          </a:effectRef>
+          <a:fontRef idx="minor">
+            <a:schemeClr val="lt1"/>
+          </a:fontRef>
+        </p:style>
+        <p:txBody>
+          <a:bodyPr rtlCol="0" anchor="ctr"/>
+          <a:lstStyle/>
+          <a:p>
+            <a:pPr algn="ctr"/>
+            <a:endParaRPr lang="ko-KR" altLang="en-US"/>
+          </a:p>
+        </p:txBody>
+      </p:sp>
+      <p:sp>
+        <p:nvSpPr>
+          <p:cNvPr id="21" name="직사각형 20"/>
+          <p:cNvSpPr/>
+          <p:nvPr/>
+        </p:nvSpPr>
+        <p:spPr>
+          <a:xfrm>
+            <a:off x="6948264" y="1052736"/>
+            <a:ext cx="1152128" cy="216024"/>
+          </a:xfrm>
+          <a:prstGeom prst="rect">
+            <a:avLst/>
+          </a:prstGeom>
+          <a:solidFill>
+            <a:srgbClr val="0070C0"/>
+          </a:solidFill>
+        </p:spPr>
+        <p:style>
+          <a:lnRef idx="2">
+            <a:schemeClr val="accent1">
+              <a:shade val="50000"/>
+            </a:schemeClr>
+          </a:lnRef>
+          <a:fillRef idx="1">
+            <a:schemeClr val="accent1"/>
+          </a:fillRef>
+          <a:effectRef idx="0">
+            <a:schemeClr val="accent1"/>
+          </a:effectRef>
+          <a:fontRef idx="minor">
+            <a:schemeClr val="lt1"/>
+          </a:fontRef>
+        </p:style>
+        <p:txBody>
+          <a:bodyPr rtlCol="0" anchor="ctr"/>
+          <a:lstStyle/>
+          <a:p>
+            <a:pPr algn="ctr"/>
+            <a:endParaRPr lang="ko-KR" altLang="en-US"/>
+          </a:p>
+        </p:txBody>
+      </p:sp>
+      <p:sp>
+        <p:nvSpPr>
+          <p:cNvPr id="22" name="TextBox 21"/>
+          <p:cNvSpPr txBox="1"/>
+          <p:nvPr/>
+        </p:nvSpPr>
+        <p:spPr>
+          <a:xfrm>
+            <a:off x="7164288" y="1007150"/>
+            <a:ext cx="753605" cy="261610"/>
+          </a:xfrm>
+          <a:prstGeom prst="rect">
+            <a:avLst/>
+          </a:prstGeom>
+          <a:noFill/>
+        </p:spPr>
+        <p:txBody>
+          <a:bodyPr wrap="square" rtlCol="0">
+            <a:spAutoFit/>
+          </a:bodyPr>
+          <a:lstStyle/>
+          <a:p>
+            <a:r>
+              <a:rPr lang="en-US" altLang="ko-KR" sz="1100" dirty="0" smtClean="0">
+                <a:solidFill>
+                  <a:schemeClr val="bg1"/>
+                </a:solidFill>
+              </a:rPr>
+              <a:t>Log</a:t>
+            </a:r>
+            <a:r>
+              <a:rPr lang="ko-KR" altLang="en-US" sz="1100" dirty="0">
+                <a:solidFill>
+                  <a:schemeClr val="bg1"/>
+                </a:solidFill>
+              </a:rPr>
+              <a:t> </a:t>
+            </a:r>
+            <a:r>
+              <a:rPr lang="en-US" altLang="ko-KR" sz="1100" dirty="0" smtClean="0">
+                <a:solidFill>
+                  <a:schemeClr val="bg1"/>
+                </a:solidFill>
+              </a:rPr>
+              <a:t>out</a:t>
+            </a:r>
+            <a:endParaRPr lang="ko-KR" altLang="en-US" sz="1100" dirty="0">
+              <a:solidFill>
+                <a:schemeClr val="bg1"/>
+              </a:solidFill>
+            </a:endParaRPr>
+          </a:p>
+        </p:txBody>
+      </p:sp>
+      <p:sp>
+        <p:nvSpPr>
+          <p:cNvPr id="23" name="직사각형 22"/>
+          <p:cNvSpPr/>
+          <p:nvPr/>
+        </p:nvSpPr>
+        <p:spPr>
+          <a:xfrm>
+            <a:off x="2843808" y="1700808"/>
+            <a:ext cx="4960168" cy="423664"/>
+          </a:xfrm>
+          <a:prstGeom prst="rect">
+            <a:avLst/>
+          </a:prstGeom>
+          <a:solidFill>
+            <a:schemeClr val="accent1">
+              <a:lumMod val="20000"/>
+              <a:lumOff val="80000"/>
+            </a:schemeClr>
+          </a:solidFill>
+        </p:spPr>
+        <p:style>
+          <a:lnRef idx="2">
+            <a:schemeClr val="accent1">
+              <a:shade val="50000"/>
+            </a:schemeClr>
+          </a:lnRef>
+          <a:fillRef idx="1">
+            <a:schemeClr val="accent1"/>
+          </a:fillRef>
+          <a:effectRef idx="0">
+            <a:schemeClr val="accent1"/>
+          </a:effectRef>
+          <a:fontRef idx="minor">
+            <a:schemeClr val="lt1"/>
+          </a:fontRef>
+        </p:style>
+        <p:txBody>
+          <a:bodyPr rtlCol="0" anchor="ctr"/>
+          <a:lstStyle/>
+          <a:p>
+            <a:pPr algn="ctr"/>
+            <a:r>
+              <a:rPr lang="en-US" altLang="ko-KR" dirty="0" smtClean="0"/>
+              <a:t>~</a:t>
+            </a:r>
+            <a:r>
+              <a:rPr lang="ko-KR" altLang="en-US" dirty="0" smtClean="0"/>
+              <a:t>님의 담벼락 </a:t>
+            </a:r>
+            <a:r>
+              <a:rPr lang="en-US" altLang="ko-KR" dirty="0" smtClean="0"/>
+              <a:t>: message</a:t>
+            </a:r>
+            <a:endParaRPr lang="ko-KR" altLang="en-US" dirty="0"/>
+          </a:p>
+        </p:txBody>
+      </p:sp>
+      <p:sp>
+        <p:nvSpPr>
+          <p:cNvPr id="24" name="직사각형 23"/>
+          <p:cNvSpPr/>
+          <p:nvPr/>
+        </p:nvSpPr>
+        <p:spPr>
+          <a:xfrm>
+            <a:off x="2915816" y="2276872"/>
+            <a:ext cx="4752528" cy="3672408"/>
+          </a:xfrm>
+          <a:prstGeom prst="rect">
+            <a:avLst/>
+          </a:prstGeom>
+          <a:noFill/>
+        </p:spPr>
+        <p:style>
+          <a:lnRef idx="2">
+            <a:schemeClr val="accent1">
+              <a:shade val="50000"/>
+            </a:schemeClr>
+          </a:lnRef>
+          <a:fillRef idx="1">
+            <a:schemeClr val="accent1"/>
+          </a:fillRef>
+          <a:effectRef idx="0">
+            <a:schemeClr val="accent1"/>
+          </a:effectRef>
+          <a:fontRef idx="minor">
+            <a:schemeClr val="lt1"/>
+          </a:fontRef>
+        </p:style>
+        <p:txBody>
+          <a:bodyPr rtlCol="0" anchor="ctr"/>
+          <a:lstStyle/>
+          <a:p>
+            <a:pPr algn="ctr"/>
+            <a:endParaRPr lang="ko-KR" altLang="en-US"/>
+          </a:p>
+        </p:txBody>
+      </p:sp>
+      <p:sp>
+        <p:nvSpPr>
+          <p:cNvPr id="25" name="직사각형 24"/>
+          <p:cNvSpPr/>
+          <p:nvPr/>
+        </p:nvSpPr>
+        <p:spPr>
+          <a:xfrm>
+            <a:off x="6804248" y="5661248"/>
+            <a:ext cx="855712" cy="288032"/>
+          </a:xfrm>
+          <a:prstGeom prst="rect">
+            <a:avLst/>
+          </a:prstGeom>
+          <a:solidFill>
+            <a:schemeClr val="accent1">
+              <a:lumMod val="40000"/>
+              <a:lumOff val="60000"/>
+            </a:schemeClr>
+          </a:solidFill>
+        </p:spPr>
+        <p:style>
+          <a:lnRef idx="2">
+            <a:schemeClr val="accent1">
+              <a:shade val="50000"/>
+            </a:schemeClr>
+          </a:lnRef>
+          <a:fillRef idx="1">
+            <a:schemeClr val="accent1"/>
+          </a:fillRef>
+          <a:effectRef idx="0">
+            <a:schemeClr val="accent1"/>
+          </a:effectRef>
+          <a:fontRef idx="minor">
+            <a:schemeClr val="lt1"/>
+          </a:fontRef>
+        </p:style>
+        <p:txBody>
+          <a:bodyPr rtlCol="0" anchor="ctr"/>
+          <a:lstStyle/>
+          <a:p>
+            <a:pPr algn="ctr"/>
+            <a:r>
+              <a:rPr lang="ko-KR" altLang="en-US" sz="1200" spc="-300" dirty="0" smtClean="0">
+                <a:solidFill>
+                  <a:schemeClr val="tx2">
+                    <a:lumMod val="50000"/>
+                  </a:schemeClr>
+                </a:solidFill>
+              </a:rPr>
+              <a:t>등록 </a:t>
+            </a:r>
+            <a:r>
+              <a:rPr lang="en-US" altLang="ko-KR" sz="1200" spc="-300" dirty="0" smtClean="0">
+                <a:solidFill>
+                  <a:schemeClr val="tx2">
+                    <a:lumMod val="50000"/>
+                  </a:schemeClr>
+                </a:solidFill>
+              </a:rPr>
+              <a:t>/  </a:t>
+            </a:r>
+            <a:r>
+              <a:rPr lang="ko-KR" altLang="en-US" sz="1200" spc="-300" dirty="0" smtClean="0">
+                <a:solidFill>
+                  <a:schemeClr val="tx2">
+                    <a:lumMod val="50000"/>
+                  </a:schemeClr>
+                </a:solidFill>
+              </a:rPr>
+              <a:t>수정</a:t>
+            </a:r>
+            <a:endParaRPr lang="ko-KR" altLang="en-US" sz="1200" spc="-300" dirty="0">
+              <a:solidFill>
+                <a:schemeClr val="tx2">
+                  <a:lumMod val="50000"/>
+                </a:schemeClr>
+              </a:solidFill>
+            </a:endParaRPr>
+          </a:p>
+        </p:txBody>
+      </p:sp>
+      <p:sp>
+        <p:nvSpPr>
+          <p:cNvPr id="26" name="직각 삼각형 25"/>
+          <p:cNvSpPr/>
+          <p:nvPr/>
+        </p:nvSpPr>
+        <p:spPr>
+          <a:xfrm rot="5400000">
+            <a:off x="2879812" y="2312876"/>
+            <a:ext cx="576064" cy="504056"/>
+          </a:xfrm>
+          <a:prstGeom prst="rtTriangle">
+            <a:avLst/>
+          </a:prstGeom>
+        </p:spPr>
+        <p:style>
+          <a:lnRef idx="2">
+            <a:schemeClr val="accent1">
+              <a:shade val="50000"/>
+            </a:schemeClr>
+          </a:lnRef>
+          <a:fillRef idx="1">
+            <a:schemeClr val="accent1"/>
+          </a:fillRef>
+          <a:effectRef idx="0">
+            <a:schemeClr val="accent1"/>
+          </a:effectRef>
+          <a:fontRef idx="minor">
+            <a:schemeClr val="lt1"/>
+          </a:fontRef>
+        </p:style>
+        <p:txBody>
+          <a:bodyPr rtlCol="0" anchor="ctr"/>
+          <a:lstStyle/>
+          <a:p>
+            <a:pPr algn="ctr"/>
+            <a:endParaRPr lang="ko-KR" altLang="en-US"/>
+          </a:p>
+        </p:txBody>
+      </p:sp>
+      <p:sp>
+        <p:nvSpPr>
+          <p:cNvPr id="34" name="직사각형 33"/>
+          <p:cNvSpPr/>
+          <p:nvPr/>
+        </p:nvSpPr>
+        <p:spPr>
+          <a:xfrm>
+            <a:off x="3275856" y="2564904"/>
+            <a:ext cx="2223864" cy="279648"/>
+          </a:xfrm>
+          <a:prstGeom prst="rect">
+            <a:avLst/>
+          </a:prstGeom>
+          <a:noFill/>
+        </p:spPr>
+        <p:style>
+          <a:lnRef idx="2">
+            <a:schemeClr val="accent1">
+              <a:shade val="50000"/>
+            </a:schemeClr>
+          </a:lnRef>
+          <a:fillRef idx="1">
+            <a:schemeClr val="accent1"/>
+          </a:fillRef>
+          <a:effectRef idx="0">
+            <a:schemeClr val="accent1"/>
+          </a:effectRef>
+          <a:fontRef idx="minor">
+            <a:schemeClr val="lt1"/>
+          </a:fontRef>
+        </p:style>
+        <p:txBody>
+          <a:bodyPr rtlCol="0" anchor="ctr"/>
+          <a:lstStyle/>
+          <a:p>
+            <a:pPr algn="ctr"/>
+            <a:endParaRPr lang="ko-KR" altLang="en-US"/>
+          </a:p>
+        </p:txBody>
+      </p:sp>
+      <p:sp>
+        <p:nvSpPr>
+          <p:cNvPr id="35" name="TextBox 34"/>
+          <p:cNvSpPr txBox="1"/>
+          <p:nvPr/>
+        </p:nvSpPr>
+        <p:spPr>
+          <a:xfrm>
+            <a:off x="3419872" y="2564904"/>
+            <a:ext cx="492443" cy="276999"/>
+          </a:xfrm>
+          <a:prstGeom prst="rect">
+            <a:avLst/>
+          </a:prstGeom>
+          <a:noFill/>
+        </p:spPr>
+        <p:txBody>
+          <a:bodyPr wrap="none" rtlCol="0">
+            <a:spAutoFit/>
+          </a:bodyPr>
+          <a:lstStyle/>
+          <a:p>
+            <a:r>
+              <a:rPr lang="ko-KR" altLang="en-US" sz="1200" dirty="0" smtClean="0"/>
+              <a:t>제목</a:t>
+            </a:r>
+            <a:endParaRPr lang="ko-KR" altLang="en-US" sz="1200" dirty="0"/>
+          </a:p>
+        </p:txBody>
+      </p:sp>
+      <p:sp>
+        <p:nvSpPr>
+          <p:cNvPr id="39" name="직사각형 38"/>
+          <p:cNvSpPr/>
+          <p:nvPr/>
+        </p:nvSpPr>
+        <p:spPr>
+          <a:xfrm>
+            <a:off x="3059832" y="2996952"/>
+            <a:ext cx="4464496" cy="2520280"/>
+          </a:xfrm>
+          <a:prstGeom prst="rect">
+            <a:avLst/>
+          </a:prstGeom>
+          <a:noFill/>
+        </p:spPr>
+        <p:style>
+          <a:lnRef idx="2">
+            <a:schemeClr val="accent1">
+              <a:shade val="50000"/>
+            </a:schemeClr>
+          </a:lnRef>
+          <a:fillRef idx="1">
+            <a:schemeClr val="accent1"/>
+          </a:fillRef>
+          <a:effectRef idx="0">
+            <a:schemeClr val="accent1"/>
+          </a:effectRef>
+          <a:fontRef idx="minor">
+            <a:schemeClr val="lt1"/>
+          </a:fontRef>
+        </p:style>
+        <p:txBody>
+          <a:bodyPr rtlCol="0" anchor="ctr"/>
+          <a:lstStyle/>
+          <a:p>
+            <a:pPr algn="ctr"/>
+            <a:endParaRPr lang="ko-KR" altLang="en-US"/>
+          </a:p>
+        </p:txBody>
+      </p:sp>
+      <p:sp>
+        <p:nvSpPr>
+          <p:cNvPr id="40" name="TextBox 39"/>
+          <p:cNvSpPr txBox="1"/>
+          <p:nvPr/>
+        </p:nvSpPr>
+        <p:spPr>
+          <a:xfrm>
+            <a:off x="3347864" y="3140968"/>
+            <a:ext cx="492443" cy="276999"/>
+          </a:xfrm>
+          <a:prstGeom prst="rect">
+            <a:avLst/>
+          </a:prstGeom>
+          <a:noFill/>
+        </p:spPr>
+        <p:txBody>
+          <a:bodyPr wrap="none" rtlCol="0">
+            <a:spAutoFit/>
+          </a:bodyPr>
+          <a:lstStyle/>
+          <a:p>
+            <a:r>
+              <a:rPr lang="ko-KR" altLang="en-US" sz="1200" smtClean="0"/>
+              <a:t>내용</a:t>
+            </a:r>
+            <a:endParaRPr lang="ko-KR" altLang="en-US" sz="1200" dirty="0"/>
+          </a:p>
+        </p:txBody>
+      </p:sp>
+      <p:sp>
+        <p:nvSpPr>
+          <p:cNvPr id="41" name="직사각형 40"/>
+          <p:cNvSpPr/>
+          <p:nvPr/>
+        </p:nvSpPr>
+        <p:spPr>
+          <a:xfrm>
+            <a:off x="5868144" y="5661248"/>
+            <a:ext cx="855712" cy="288032"/>
+          </a:xfrm>
+          <a:prstGeom prst="rect">
+            <a:avLst/>
+          </a:prstGeom>
+          <a:solidFill>
+            <a:schemeClr val="accent1">
+              <a:lumMod val="40000"/>
+              <a:lumOff val="60000"/>
+            </a:schemeClr>
+          </a:solidFill>
+        </p:spPr>
+        <p:style>
+          <a:lnRef idx="2">
+            <a:schemeClr val="accent1">
+              <a:shade val="50000"/>
+            </a:schemeClr>
+          </a:lnRef>
+          <a:fillRef idx="1">
+            <a:schemeClr val="accent1"/>
+          </a:fillRef>
+          <a:effectRef idx="0">
+            <a:schemeClr val="accent1"/>
+          </a:effectRef>
+          <a:fontRef idx="minor">
+            <a:schemeClr val="lt1"/>
+          </a:fontRef>
+        </p:style>
+        <p:txBody>
+          <a:bodyPr rtlCol="0" anchor="ctr"/>
+          <a:lstStyle/>
+          <a:p>
+            <a:pPr algn="ctr"/>
+            <a:r>
+              <a:rPr lang="ko-KR" altLang="en-US" sz="1200" spc="-300" dirty="0" smtClean="0">
+                <a:solidFill>
+                  <a:schemeClr val="tx2">
+                    <a:lumMod val="50000"/>
+                  </a:schemeClr>
+                </a:solidFill>
+              </a:rPr>
+              <a:t>삭제</a:t>
+            </a:r>
+            <a:endParaRPr lang="ko-KR" altLang="en-US" sz="1200" spc="-300" dirty="0">
+              <a:solidFill>
+                <a:schemeClr val="tx2">
+                  <a:lumMod val="50000"/>
+                </a:schemeClr>
+              </a:solidFill>
+            </a:endParaRPr>
+          </a:p>
+        </p:txBody>
+      </p:sp>
     </p:spTree>
   </p:cSld>
   <p:clrMapOvr>
